--- a/WebTimViec.pptx
+++ b/WebTimViec.pptx
@@ -9,12 +9,11 @@
     <p:sldId id="257" r:id="rId3"/>
     <p:sldId id="258" r:id="rId4"/>
     <p:sldId id="259" r:id="rId5"/>
-    <p:sldId id="260" r:id="rId6"/>
-    <p:sldId id="261" r:id="rId7"/>
-    <p:sldId id="264" r:id="rId8"/>
-    <p:sldId id="266" r:id="rId9"/>
-    <p:sldId id="262" r:id="rId10"/>
-    <p:sldId id="263" r:id="rId11"/>
+    <p:sldId id="267" r:id="rId6"/>
+    <p:sldId id="264" r:id="rId7"/>
+    <p:sldId id="266" r:id="rId8"/>
+    <p:sldId id="262" r:id="rId9"/>
+    <p:sldId id="263" r:id="rId10"/>
   </p:sldIdLst>
   <p:sldSz cx="12192000" cy="6858000"/>
   <p:notesSz cx="6858000" cy="9144000"/>
@@ -4617,7 +4616,7 @@
           <a:p>
             <a:fld id="{2DF8E4B0-FBCE-442F-A819-8B45A7C19668}" type="datetimeFigureOut">
               <a:rPr lang="en-US" smtClean="0"/>
-              <a:t>06/19/2024</a:t>
+              <a:t>06/21/2024</a:t>
             </a:fld>
             <a:endParaRPr lang="en-US"/>
           </a:p>
@@ -4815,7 +4814,7 @@
           <a:p>
             <a:fld id="{2DF8E4B0-FBCE-442F-A819-8B45A7C19668}" type="datetimeFigureOut">
               <a:rPr lang="en-US" smtClean="0"/>
-              <a:t>06/19/2024</a:t>
+              <a:t>06/21/2024</a:t>
             </a:fld>
             <a:endParaRPr lang="en-US"/>
           </a:p>
@@ -5023,7 +5022,7 @@
           <a:p>
             <a:fld id="{2DF8E4B0-FBCE-442F-A819-8B45A7C19668}" type="datetimeFigureOut">
               <a:rPr lang="en-US" smtClean="0"/>
-              <a:t>06/19/2024</a:t>
+              <a:t>06/21/2024</a:t>
             </a:fld>
             <a:endParaRPr lang="en-US"/>
           </a:p>
@@ -5221,7 +5220,7 @@
           <a:p>
             <a:fld id="{2DF8E4B0-FBCE-442F-A819-8B45A7C19668}" type="datetimeFigureOut">
               <a:rPr lang="en-US" smtClean="0"/>
-              <a:t>06/19/2024</a:t>
+              <a:t>06/21/2024</a:t>
             </a:fld>
             <a:endParaRPr lang="en-US"/>
           </a:p>
@@ -5496,7 +5495,7 @@
           <a:p>
             <a:fld id="{2DF8E4B0-FBCE-442F-A819-8B45A7C19668}" type="datetimeFigureOut">
               <a:rPr lang="en-US" smtClean="0"/>
-              <a:t>06/19/2024</a:t>
+              <a:t>06/21/2024</a:t>
             </a:fld>
             <a:endParaRPr lang="en-US"/>
           </a:p>
@@ -5761,7 +5760,7 @@
           <a:p>
             <a:fld id="{2DF8E4B0-FBCE-442F-A819-8B45A7C19668}" type="datetimeFigureOut">
               <a:rPr lang="en-US" smtClean="0"/>
-              <a:t>06/19/2024</a:t>
+              <a:t>06/21/2024</a:t>
             </a:fld>
             <a:endParaRPr lang="en-US"/>
           </a:p>
@@ -6173,7 +6172,7 @@
           <a:p>
             <a:fld id="{2DF8E4B0-FBCE-442F-A819-8B45A7C19668}" type="datetimeFigureOut">
               <a:rPr lang="en-US" smtClean="0"/>
-              <a:t>06/19/2024</a:t>
+              <a:t>06/21/2024</a:t>
             </a:fld>
             <a:endParaRPr lang="en-US"/>
           </a:p>
@@ -6314,7 +6313,7 @@
           <a:p>
             <a:fld id="{2DF8E4B0-FBCE-442F-A819-8B45A7C19668}" type="datetimeFigureOut">
               <a:rPr lang="en-US" smtClean="0"/>
-              <a:t>06/19/2024</a:t>
+              <a:t>06/21/2024</a:t>
             </a:fld>
             <a:endParaRPr lang="en-US"/>
           </a:p>
@@ -6427,7 +6426,7 @@
           <a:p>
             <a:fld id="{2DF8E4B0-FBCE-442F-A819-8B45A7C19668}" type="datetimeFigureOut">
               <a:rPr lang="en-US" smtClean="0"/>
-              <a:t>06/19/2024</a:t>
+              <a:t>06/21/2024</a:t>
             </a:fld>
             <a:endParaRPr lang="en-US"/>
           </a:p>
@@ -6738,7 +6737,7 @@
           <a:p>
             <a:fld id="{2DF8E4B0-FBCE-442F-A819-8B45A7C19668}" type="datetimeFigureOut">
               <a:rPr lang="en-US" smtClean="0"/>
-              <a:t>06/19/2024</a:t>
+              <a:t>06/21/2024</a:t>
             </a:fld>
             <a:endParaRPr lang="en-US"/>
           </a:p>
@@ -7026,7 +7025,7 @@
           <a:p>
             <a:fld id="{2DF8E4B0-FBCE-442F-A819-8B45A7C19668}" type="datetimeFigureOut">
               <a:rPr lang="en-US" smtClean="0"/>
-              <a:t>06/19/2024</a:t>
+              <a:t>06/21/2024</a:t>
             </a:fld>
             <a:endParaRPr lang="en-US"/>
           </a:p>
@@ -7276,7 +7275,7 @@
           <a:p>
             <a:fld id="{2DF8E4B0-FBCE-442F-A819-8B45A7C19668}" type="datetimeFigureOut">
               <a:rPr lang="en-US" smtClean="0"/>
-              <a:t>06/19/2024</a:t>
+              <a:t>06/21/2024</a:t>
             </a:fld>
             <a:endParaRPr lang="en-US"/>
           </a:p>
@@ -8105,419 +8104,6 @@
       </p:transition>
     </mc:Fallback>
   </mc:AlternateContent>
-</p:sld>
-</file>
-
-<file path=ppt/slides/slide10.xml><?xml version="1.0" encoding="utf-8"?>
-<p:sld xmlns:a="http://schemas.openxmlformats.org/drawingml/2006/main" xmlns:r="http://schemas.openxmlformats.org/officeDocument/2006/relationships" xmlns:p="http://schemas.openxmlformats.org/presentationml/2006/main">
-  <p:cSld>
-    <p:spTree>
-      <p:nvGrpSpPr>
-        <p:cNvPr id="1" name=""/>
-        <p:cNvGrpSpPr/>
-        <p:nvPr/>
-      </p:nvGrpSpPr>
-      <p:grpSpPr>
-        <a:xfrm>
-          <a:off x="0" y="0"/>
-          <a:ext cx="0" cy="0"/>
-          <a:chOff x="0" y="0"/>
-          <a:chExt cx="0" cy="0"/>
-        </a:xfrm>
-      </p:grpSpPr>
-      <p:grpSp>
-        <p:nvGrpSpPr>
-          <p:cNvPr id="4" name="Group 3">
-            <a:extLst>
-              <a:ext uri="{FF2B5EF4-FFF2-40B4-BE49-F238E27FC236}">
-                <a16:creationId xmlns:a16="http://schemas.microsoft.com/office/drawing/2014/main" id="{D789A737-1A21-3788-1E19-523DCD56558F}"/>
-              </a:ext>
-            </a:extLst>
-          </p:cNvPr>
-          <p:cNvGrpSpPr/>
-          <p:nvPr/>
-        </p:nvGrpSpPr>
-        <p:grpSpPr>
-          <a:xfrm>
-            <a:off x="322810" y="274865"/>
-            <a:ext cx="2159132" cy="748394"/>
-            <a:chOff x="800101" y="360135"/>
-            <a:chExt cx="2605834" cy="837293"/>
-          </a:xfrm>
-        </p:grpSpPr>
-        <p:pic>
-          <p:nvPicPr>
-            <p:cNvPr id="5" name="Picture 4" descr="Ý nghĩa logo Đại học Công nghệ Tp.HCM (HUTECH)">
-              <a:extLst>
-                <a:ext uri="{FF2B5EF4-FFF2-40B4-BE49-F238E27FC236}">
-                  <a16:creationId xmlns:a16="http://schemas.microsoft.com/office/drawing/2014/main" id="{BDA38A44-CDA2-E0C3-B059-87CAEC64AF66}"/>
-                </a:ext>
-              </a:extLst>
-            </p:cNvPr>
-            <p:cNvPicPr>
-              <a:picLocks noChangeAspect="1" noChangeArrowheads="1"/>
-            </p:cNvPicPr>
-            <p:nvPr/>
-          </p:nvPicPr>
-          <p:blipFill>
-            <a:blip r:embed="rId2">
-              <a:extLst>
-                <a:ext uri="{28A0092B-C50C-407E-A947-70E740481C1C}">
-                  <a14:useLocalDpi xmlns:a14="http://schemas.microsoft.com/office/drawing/2010/main" val="0"/>
-                </a:ext>
-              </a:extLst>
-            </a:blip>
-            <a:srcRect/>
-            <a:stretch>
-              <a:fillRect/>
-            </a:stretch>
-          </p:blipFill>
-          <p:spPr bwMode="auto">
-            <a:xfrm>
-              <a:off x="1338943" y="360135"/>
-              <a:ext cx="2066992" cy="837293"/>
-            </a:xfrm>
-            <a:prstGeom prst="rect">
-              <a:avLst/>
-            </a:prstGeom>
-            <a:noFill/>
-            <a:extLst>
-              <a:ext uri="{909E8E84-426E-40DD-AFC4-6F175D3DCCD1}">
-                <a14:hiddenFill xmlns:a14="http://schemas.microsoft.com/office/drawing/2010/main">
-                  <a:solidFill>
-                    <a:srgbClr val="FFFFFF"/>
-                  </a:solidFill>
-                </a14:hiddenFill>
-              </a:ext>
-            </a:extLst>
-          </p:spPr>
-        </p:pic>
-        <p:pic>
-          <p:nvPicPr>
-            <p:cNvPr id="6" name="Picture 5">
-              <a:extLst>
-                <a:ext uri="{FF2B5EF4-FFF2-40B4-BE49-F238E27FC236}">
-                  <a16:creationId xmlns:a16="http://schemas.microsoft.com/office/drawing/2014/main" id="{ED6CF147-8C39-E120-8BEF-102B5E50A0F5}"/>
-                </a:ext>
-              </a:extLst>
-            </p:cNvPr>
-            <p:cNvPicPr>
-              <a:picLocks noChangeAspect="1"/>
-            </p:cNvPicPr>
-            <p:nvPr/>
-          </p:nvPicPr>
-          <p:blipFill>
-            <a:blip r:embed="rId3">
-              <a:extLst>
-                <a:ext uri="{28A0092B-C50C-407E-A947-70E740481C1C}">
-                  <a14:useLocalDpi xmlns:a14="http://schemas.microsoft.com/office/drawing/2010/main" val="0"/>
-                </a:ext>
-              </a:extLst>
-            </a:blip>
-            <a:stretch>
-              <a:fillRect/>
-            </a:stretch>
-          </p:blipFill>
-          <p:spPr>
-            <a:xfrm>
-              <a:off x="800101" y="435472"/>
-              <a:ext cx="712416" cy="686618"/>
-            </a:xfrm>
-            <a:prstGeom prst="rect">
-              <a:avLst/>
-            </a:prstGeom>
-          </p:spPr>
-        </p:pic>
-      </p:grpSp>
-      <p:sp>
-        <p:nvSpPr>
-          <p:cNvPr id="7" name="TextBox 6">
-            <a:extLst>
-              <a:ext uri="{FF2B5EF4-FFF2-40B4-BE49-F238E27FC236}">
-                <a16:creationId xmlns:a16="http://schemas.microsoft.com/office/drawing/2014/main" id="{83533D78-90D9-BBD6-E7C8-4323750805B3}"/>
-              </a:ext>
-            </a:extLst>
-          </p:cNvPr>
-          <p:cNvSpPr txBox="1"/>
-          <p:nvPr/>
-        </p:nvSpPr>
-        <p:spPr>
-          <a:xfrm>
-            <a:off x="3823754" y="663532"/>
-            <a:ext cx="4544492" cy="584775"/>
-          </a:xfrm>
-          <a:prstGeom prst="rect">
-            <a:avLst/>
-          </a:prstGeom>
-          <a:noFill/>
-        </p:spPr>
-        <p:txBody>
-          <a:bodyPr wrap="square" rtlCol="0">
-            <a:spAutoFit/>
-          </a:bodyPr>
-          <a:lstStyle/>
-          <a:p>
-            <a:r>
-              <a:rPr lang="vi-VN" sz="3200" b="1" i="1" dirty="0"/>
-              <a:t>Định hướng phát triển</a:t>
-            </a:r>
-            <a:endParaRPr lang="en-US" sz="3200" b="1" i="1" dirty="0"/>
-          </a:p>
-        </p:txBody>
-      </p:sp>
-      <p:sp>
-        <p:nvSpPr>
-          <p:cNvPr id="3" name="TextBox 2">
-            <a:extLst>
-              <a:ext uri="{FF2B5EF4-FFF2-40B4-BE49-F238E27FC236}">
-                <a16:creationId xmlns:a16="http://schemas.microsoft.com/office/drawing/2014/main" id="{C4D4FF4B-E003-6FAB-FF50-8964C8F6F66C}"/>
-              </a:ext>
-            </a:extLst>
-          </p:cNvPr>
-          <p:cNvSpPr txBox="1"/>
-          <p:nvPr/>
-        </p:nvSpPr>
-        <p:spPr>
-          <a:xfrm>
-            <a:off x="1625612" y="2062580"/>
-            <a:ext cx="3810000" cy="369332"/>
-          </a:xfrm>
-          <a:prstGeom prst="rect">
-            <a:avLst/>
-          </a:prstGeom>
-          <a:noFill/>
-        </p:spPr>
-        <p:txBody>
-          <a:bodyPr wrap="square" rtlCol="0">
-            <a:spAutoFit/>
-          </a:bodyPr>
-          <a:lstStyle/>
-          <a:p>
-            <a:pPr marL="285750" indent="-285750">
-              <a:buFont typeface="Meiryo UI" panose="020B0400000000000000" pitchFamily="34" charset="-128"/>
-              <a:buChar char="»"/>
-            </a:pPr>
-            <a:r>
-              <a:rPr lang="vi-VN" dirty="0"/>
-              <a:t>Mở rộng cơ sở dữ liệu</a:t>
-            </a:r>
-            <a:endParaRPr lang="en-US" dirty="0"/>
-          </a:p>
-        </p:txBody>
-      </p:sp>
-      <p:sp>
-        <p:nvSpPr>
-          <p:cNvPr id="8" name="TextBox 7">
-            <a:extLst>
-              <a:ext uri="{FF2B5EF4-FFF2-40B4-BE49-F238E27FC236}">
-                <a16:creationId xmlns:a16="http://schemas.microsoft.com/office/drawing/2014/main" id="{3C61610D-82BA-DBBF-5327-1677724DF2DD}"/>
-              </a:ext>
-            </a:extLst>
-          </p:cNvPr>
-          <p:cNvSpPr txBox="1"/>
-          <p:nvPr/>
-        </p:nvSpPr>
-        <p:spPr>
-          <a:xfrm>
-            <a:off x="1625612" y="2801244"/>
-            <a:ext cx="6440702" cy="646331"/>
-          </a:xfrm>
-          <a:prstGeom prst="rect">
-            <a:avLst/>
-          </a:prstGeom>
-          <a:noFill/>
-        </p:spPr>
-        <p:txBody>
-          <a:bodyPr wrap="square" rtlCol="0">
-            <a:spAutoFit/>
-          </a:bodyPr>
-          <a:lstStyle/>
-          <a:p>
-            <a:pPr marL="285750" indent="-285750">
-              <a:buFont typeface="Meiryo UI" panose="020B0400000000000000" pitchFamily="34" charset="-128"/>
-              <a:buChar char="»"/>
-            </a:pPr>
-            <a:r>
-              <a:rPr lang="vi-VN" dirty="0"/>
-              <a:t>Áp dụng googlemap vào hệ thống và xác định với vị trí rõ ràng hơn</a:t>
-            </a:r>
-            <a:endParaRPr lang="en-US" dirty="0"/>
-          </a:p>
-        </p:txBody>
-      </p:sp>
-      <p:sp>
-        <p:nvSpPr>
-          <p:cNvPr id="9" name="TextBox 8">
-            <a:extLst>
-              <a:ext uri="{FF2B5EF4-FFF2-40B4-BE49-F238E27FC236}">
-                <a16:creationId xmlns:a16="http://schemas.microsoft.com/office/drawing/2014/main" id="{76FE77EF-5DE8-3D80-A9DA-949C274F0950}"/>
-              </a:ext>
-            </a:extLst>
-          </p:cNvPr>
-          <p:cNvSpPr txBox="1"/>
-          <p:nvPr/>
-        </p:nvSpPr>
-        <p:spPr>
-          <a:xfrm>
-            <a:off x="1625612" y="3832938"/>
-            <a:ext cx="6742634" cy="369332"/>
-          </a:xfrm>
-          <a:prstGeom prst="rect">
-            <a:avLst/>
-          </a:prstGeom>
-          <a:noFill/>
-        </p:spPr>
-        <p:txBody>
-          <a:bodyPr wrap="square" rtlCol="0">
-            <a:spAutoFit/>
-          </a:bodyPr>
-          <a:lstStyle/>
-          <a:p>
-            <a:pPr marL="285750" indent="-285750">
-              <a:buFont typeface="Meiryo UI" panose="020B0400000000000000" pitchFamily="34" charset="-128"/>
-              <a:buChar char="»"/>
-            </a:pPr>
-            <a:r>
-              <a:rPr lang="vi-VN" dirty="0"/>
-              <a:t>Sử dụng công nghệ AI để gợi ý các bài tuyển dụng phù hợp  </a:t>
-            </a:r>
-            <a:endParaRPr lang="en-US" dirty="0"/>
-          </a:p>
-        </p:txBody>
-      </p:sp>
-      <p:sp>
-        <p:nvSpPr>
-          <p:cNvPr id="10" name="TextBox 9">
-            <a:extLst>
-              <a:ext uri="{FF2B5EF4-FFF2-40B4-BE49-F238E27FC236}">
-                <a16:creationId xmlns:a16="http://schemas.microsoft.com/office/drawing/2014/main" id="{FE744FF0-7D2F-BD99-8B8E-BFC8C3BDB0D3}"/>
-              </a:ext>
-            </a:extLst>
-          </p:cNvPr>
-          <p:cNvSpPr txBox="1"/>
-          <p:nvPr/>
-        </p:nvSpPr>
-        <p:spPr>
-          <a:xfrm>
-            <a:off x="1625612" y="4571602"/>
-            <a:ext cx="3810000" cy="369332"/>
-          </a:xfrm>
-          <a:prstGeom prst="rect">
-            <a:avLst/>
-          </a:prstGeom>
-          <a:noFill/>
-        </p:spPr>
-        <p:txBody>
-          <a:bodyPr wrap="square" rtlCol="0">
-            <a:spAutoFit/>
-          </a:bodyPr>
-          <a:lstStyle/>
-          <a:p>
-            <a:pPr marL="285750" indent="-285750">
-              <a:buFont typeface="Meiryo UI" panose="020B0400000000000000" pitchFamily="34" charset="-128"/>
-              <a:buChar char="»"/>
-            </a:pPr>
-            <a:r>
-              <a:rPr lang="vi-VN" dirty="0"/>
-              <a:t>Cho phép tạo cv trên website</a:t>
-            </a:r>
-            <a:endParaRPr lang="en-US" dirty="0"/>
-          </a:p>
-        </p:txBody>
-      </p:sp>
-      <p:sp>
-        <p:nvSpPr>
-          <p:cNvPr id="11" name="TextBox 10">
-            <a:extLst>
-              <a:ext uri="{FF2B5EF4-FFF2-40B4-BE49-F238E27FC236}">
-                <a16:creationId xmlns:a16="http://schemas.microsoft.com/office/drawing/2014/main" id="{96EC192C-813C-22BD-E862-287D1C767E8B}"/>
-              </a:ext>
-            </a:extLst>
-          </p:cNvPr>
-          <p:cNvSpPr txBox="1"/>
-          <p:nvPr/>
-        </p:nvSpPr>
-        <p:spPr>
-          <a:xfrm>
-            <a:off x="1625612" y="5310266"/>
-            <a:ext cx="8033657" cy="369332"/>
-          </a:xfrm>
-          <a:prstGeom prst="rect">
-            <a:avLst/>
-          </a:prstGeom>
-          <a:noFill/>
-        </p:spPr>
-        <p:txBody>
-          <a:bodyPr wrap="square" rtlCol="0">
-            <a:spAutoFit/>
-          </a:bodyPr>
-          <a:lstStyle/>
-          <a:p>
-            <a:pPr marL="285750" indent="-285750">
-              <a:buFont typeface="Meiryo UI" panose="020B0400000000000000" pitchFamily="34" charset="-128"/>
-              <a:buChar char="»"/>
-            </a:pPr>
-            <a:r>
-              <a:rPr lang="vi-VN" dirty="0"/>
-              <a:t>Cho phép các tài khoản có thể trao đổi trực tiếp với nhau</a:t>
-            </a:r>
-            <a:endParaRPr lang="en-US" dirty="0"/>
-          </a:p>
-        </p:txBody>
-      </p:sp>
-      <p:sp>
-        <p:nvSpPr>
-          <p:cNvPr id="12" name="TextBox 11">
-            <a:extLst>
-              <a:ext uri="{FF2B5EF4-FFF2-40B4-BE49-F238E27FC236}">
-                <a16:creationId xmlns:a16="http://schemas.microsoft.com/office/drawing/2014/main" id="{D018E194-0D90-76A1-89B5-0BEFBEC23EE4}"/>
-              </a:ext>
-            </a:extLst>
-          </p:cNvPr>
-          <p:cNvSpPr txBox="1"/>
-          <p:nvPr/>
-        </p:nvSpPr>
-        <p:spPr>
-          <a:xfrm>
-            <a:off x="1625611" y="1414085"/>
-            <a:ext cx="6324599" cy="369332"/>
-          </a:xfrm>
-          <a:prstGeom prst="rect">
-            <a:avLst/>
-          </a:prstGeom>
-          <a:noFill/>
-        </p:spPr>
-        <p:txBody>
-          <a:bodyPr wrap="square" rtlCol="0">
-            <a:spAutoFit/>
-          </a:bodyPr>
-          <a:lstStyle/>
-          <a:p>
-            <a:pPr marL="285750" indent="-285750">
-              <a:buFont typeface="Meiryo UI" panose="020B0400000000000000" pitchFamily="34" charset="-128"/>
-              <a:buChar char="»"/>
-            </a:pPr>
-            <a:r>
-              <a:rPr lang="vi-VN" dirty="0"/>
-              <a:t>Đăng nhập bằng nhiều cách khác</a:t>
-            </a:r>
-            <a:endParaRPr lang="en-US" dirty="0"/>
-          </a:p>
-        </p:txBody>
-      </p:sp>
-    </p:spTree>
-    <p:extLst>
-      <p:ext uri="{BB962C8B-B14F-4D97-AF65-F5344CB8AC3E}">
-        <p14:creationId xmlns:p14="http://schemas.microsoft.com/office/powerpoint/2010/main" val="2764261583"/>
-      </p:ext>
-    </p:extLst>
-  </p:cSld>
-  <p:clrMapOvr>
-    <a:masterClrMapping/>
-  </p:clrMapOvr>
-  <p:transition spd="slow">
-    <p:cover/>
-  </p:transition>
 </p:sld>
 </file>
 
@@ -10115,78 +9701,40 @@
           </a:p>
         </p:txBody>
       </p:sp>
-      <p:sp>
-        <p:nvSpPr>
-          <p:cNvPr id="3" name="TextBox 2">
+      <p:pic>
+        <p:nvPicPr>
+          <p:cNvPr id="13" name="Picture 12">
             <a:extLst>
               <a:ext uri="{FF2B5EF4-FFF2-40B4-BE49-F238E27FC236}">
-                <a16:creationId xmlns:a16="http://schemas.microsoft.com/office/drawing/2014/main" id="{A9685C46-A4DB-1598-F633-2A174F4F7F18}"/>
+                <a16:creationId xmlns:a16="http://schemas.microsoft.com/office/drawing/2014/main" id="{748CC152-9FA4-1F7F-B7E2-5B9D616AEE04}"/>
               </a:ext>
             </a:extLst>
           </p:cNvPr>
-          <p:cNvSpPr txBox="1"/>
+          <p:cNvPicPr>
+            <a:picLocks noChangeAspect="1"/>
+          </p:cNvPicPr>
           <p:nvPr/>
-        </p:nvSpPr>
+        </p:nvPicPr>
+        <p:blipFill>
+          <a:blip r:embed="rId4"/>
+          <a:stretch>
+            <a:fillRect/>
+          </a:stretch>
+        </p:blipFill>
         <p:spPr>
           <a:xfrm>
-            <a:off x="769282" y="2260600"/>
-            <a:ext cx="10732799" cy="2701509"/>
+            <a:off x="-119743" y="-109116"/>
+            <a:ext cx="12891068" cy="7075973"/>
           </a:xfrm>
           <a:prstGeom prst="rect">
             <a:avLst/>
           </a:prstGeom>
-          <a:noFill/>
         </p:spPr>
-        <p:txBody>
-          <a:bodyPr wrap="square" rtlCol="0">
-            <a:spAutoFit/>
-          </a:bodyPr>
-          <a:lstStyle/>
-          <a:p>
-            <a:pPr marL="285750" indent="-285750">
-              <a:lnSpc>
-                <a:spcPct val="250000"/>
-              </a:lnSpc>
-              <a:buFont typeface="Wingdings" panose="05000000000000000000" pitchFamily="2" charset="2"/>
-              <a:buChar char="v"/>
-            </a:pPr>
-            <a:r>
-              <a:rPr lang="vi-VN" sz="2400" dirty="0"/>
-              <a:t>Mô hình ERD</a:t>
-            </a:r>
-          </a:p>
-          <a:p>
-            <a:pPr marL="285750" indent="-285750">
-              <a:lnSpc>
-                <a:spcPct val="250000"/>
-              </a:lnSpc>
-              <a:buFont typeface="Wingdings" panose="05000000000000000000" pitchFamily="2" charset="2"/>
-              <a:buChar char="v"/>
-            </a:pPr>
-            <a:r>
-              <a:rPr lang="vi-VN" sz="2400" dirty="0"/>
-              <a:t>Mô hình BFD tổng quát</a:t>
-            </a:r>
-          </a:p>
-          <a:p>
-            <a:pPr marL="285750" indent="-285750">
-              <a:lnSpc>
-                <a:spcPct val="250000"/>
-              </a:lnSpc>
-              <a:buFont typeface="Wingdings" panose="05000000000000000000" pitchFamily="2" charset="2"/>
-              <a:buChar char="v"/>
-            </a:pPr>
-            <a:r>
-              <a:rPr lang="vi-VN" sz="2400" dirty="0"/>
-              <a:t>Các yêu cầu chức năng</a:t>
-            </a:r>
-          </a:p>
-        </p:txBody>
-      </p:sp>
+      </p:pic>
     </p:spTree>
     <p:extLst>
       <p:ext uri="{BB962C8B-B14F-4D97-AF65-F5344CB8AC3E}">
-        <p14:creationId xmlns:p14="http://schemas.microsoft.com/office/powerpoint/2010/main" val="2363089113"/>
+        <p14:creationId xmlns:p14="http://schemas.microsoft.com/office/powerpoint/2010/main" val="2004045267"/>
       </p:ext>
     </p:extLst>
   </p:cSld>
@@ -10200,73 +9748,6 @@
 </file>
 
 <file path=ppt/slides/slide6.xml><?xml version="1.0" encoding="utf-8"?>
-<p:sld xmlns:a="http://schemas.openxmlformats.org/drawingml/2006/main" xmlns:r="http://schemas.openxmlformats.org/officeDocument/2006/relationships" xmlns:p="http://schemas.openxmlformats.org/presentationml/2006/main">
-  <p:cSld>
-    <p:spTree>
-      <p:nvGrpSpPr>
-        <p:cNvPr id="1" name=""/>
-        <p:cNvGrpSpPr/>
-        <p:nvPr/>
-      </p:nvGrpSpPr>
-      <p:grpSpPr>
-        <a:xfrm>
-          <a:off x="0" y="0"/>
-          <a:ext cx="0" cy="0"/>
-          <a:chOff x="0" y="0"/>
-          <a:chExt cx="0" cy="0"/>
-        </a:xfrm>
-      </p:grpSpPr>
-      <p:pic>
-        <p:nvPicPr>
-          <p:cNvPr id="2" name="Picture 1">
-            <a:extLst>
-              <a:ext uri="{FF2B5EF4-FFF2-40B4-BE49-F238E27FC236}">
-                <a16:creationId xmlns:a16="http://schemas.microsoft.com/office/drawing/2014/main" id="{2C520FF2-0809-8E2D-6EEE-0BFBD3976840}"/>
-              </a:ext>
-            </a:extLst>
-          </p:cNvPr>
-          <p:cNvPicPr>
-            <a:picLocks noChangeAspect="1"/>
-          </p:cNvPicPr>
-          <p:nvPr/>
-        </p:nvPicPr>
-        <p:blipFill>
-          <a:blip r:embed="rId2"/>
-          <a:stretch>
-            <a:fillRect/>
-          </a:stretch>
-        </p:blipFill>
-        <p:spPr>
-          <a:xfrm>
-            <a:off x="-500744" y="-103415"/>
-            <a:ext cx="12910947" cy="7064829"/>
-          </a:xfrm>
-          <a:prstGeom prst="rect">
-            <a:avLst/>
-          </a:prstGeom>
-          <a:noFill/>
-          <a:ln>
-            <a:noFill/>
-          </a:ln>
-        </p:spPr>
-      </p:pic>
-    </p:spTree>
-    <p:extLst>
-      <p:ext uri="{BB962C8B-B14F-4D97-AF65-F5344CB8AC3E}">
-        <p14:creationId xmlns:p14="http://schemas.microsoft.com/office/powerpoint/2010/main" val="1249532892"/>
-      </p:ext>
-    </p:extLst>
-  </p:cSld>
-  <p:clrMapOvr>
-    <a:masterClrMapping/>
-  </p:clrMapOvr>
-  <p:transition spd="slow">
-    <p:cover/>
-  </p:transition>
-</p:sld>
-</file>
-
-<file path=ppt/slides/slide7.xml><?xml version="1.0" encoding="utf-8"?>
 <p:sld xmlns:a="http://schemas.openxmlformats.org/drawingml/2006/main" xmlns:r="http://schemas.openxmlformats.org/officeDocument/2006/relationships" xmlns:p="http://schemas.openxmlformats.org/presentationml/2006/main">
   <p:cSld>
     <p:spTree>
@@ -10466,7 +9947,7 @@
         <p:spPr>
           <a:xfrm>
             <a:off x="482600" y="1711305"/>
-            <a:ext cx="3214399" cy="461665"/>
+            <a:ext cx="3871686" cy="461665"/>
           </a:xfrm>
           <a:prstGeom prst="rect">
             <a:avLst/>
@@ -10487,7 +9968,10 @@
               <a:rPr lang="vi-VN" sz="2400" b="1" i="1" dirty="0"/>
               <a:t>Mô hình hệ thống</a:t>
             </a:r>
-            <a:endParaRPr lang="en-US" sz="2400" b="1" i="1" dirty="0"/>
+            <a:r>
+              <a:rPr lang="en-US" sz="2400" b="1" i="1" dirty="0"/>
+              <a:t> BFD</a:t>
+            </a:r>
           </a:p>
         </p:txBody>
       </p:sp>
@@ -10507,7 +9991,7 @@
 </p:sld>
 </file>
 
-<file path=ppt/slides/slide8.xml><?xml version="1.0" encoding="utf-8"?>
+<file path=ppt/slides/slide7.xml><?xml version="1.0" encoding="utf-8"?>
 <p:sld xmlns:a="http://schemas.openxmlformats.org/drawingml/2006/main" xmlns:r="http://schemas.openxmlformats.org/officeDocument/2006/relationships" xmlns:p="http://schemas.openxmlformats.org/presentationml/2006/main">
   <p:cSld>
     <p:spTree>
@@ -10719,7 +10203,7 @@
           <p:nvPr>
             <p:extLst>
               <p:ext uri="{D42A27DB-BD31-4B8C-83A1-F6EECF244321}">
-                <p14:modId xmlns:p14="http://schemas.microsoft.com/office/powerpoint/2010/main" val="429880928"/>
+                <p14:modId xmlns:p14="http://schemas.microsoft.com/office/powerpoint/2010/main" val="1278634439"/>
               </p:ext>
             </p:extLst>
           </p:nvPr>
@@ -11197,7 +10681,27 @@
                           <a:latin typeface="Times New Roman" panose="02020603050405020304" pitchFamily="18" charset="0"/>
                           <a:cs typeface="Times New Roman" panose="02020603050405020304" pitchFamily="18" charset="0"/>
                         </a:rPr>
-                        <a:t>Xêm thông tin các tài khoản</a:t>
+                        <a:t>X</a:t>
+                      </a:r>
+                      <a:r>
+                        <a:rPr lang="en-US" sz="2400" dirty="0">
+                          <a:solidFill>
+                            <a:schemeClr val="tx1"/>
+                          </a:solidFill>
+                          <a:latin typeface="Times New Roman" panose="02020603050405020304" pitchFamily="18" charset="0"/>
+                          <a:cs typeface="Times New Roman" panose="02020603050405020304" pitchFamily="18" charset="0"/>
+                        </a:rPr>
+                        <a:t>e</a:t>
+                      </a:r>
+                      <a:r>
+                        <a:rPr lang="vi-VN" sz="2400" dirty="0">
+                          <a:solidFill>
+                            <a:schemeClr val="tx1"/>
+                          </a:solidFill>
+                          <a:latin typeface="Times New Roman" panose="02020603050405020304" pitchFamily="18" charset="0"/>
+                          <a:cs typeface="Times New Roman" panose="02020603050405020304" pitchFamily="18" charset="0"/>
+                        </a:rPr>
+                        <a:t>m thông tin các tài khoản</a:t>
                       </a:r>
                       <a:endParaRPr lang="en-US" sz="2400" dirty="0">
                         <a:solidFill>
@@ -12050,7 +11554,7 @@
 </p:sld>
 </file>
 
-<file path=ppt/slides/slide9.xml><?xml version="1.0" encoding="utf-8"?>
+<file path=ppt/slides/slide8.xml><?xml version="1.0" encoding="utf-8"?>
 <p:sld xmlns:a="http://schemas.openxmlformats.org/drawingml/2006/main" xmlns:r="http://schemas.openxmlformats.org/officeDocument/2006/relationships" xmlns:p="http://schemas.openxmlformats.org/presentationml/2006/main">
   <p:cSld>
     <p:spTree>
@@ -12211,6 +11715,379 @@
     <p:extLst>
       <p:ext uri="{BB962C8B-B14F-4D97-AF65-F5344CB8AC3E}">
         <p14:creationId xmlns:p14="http://schemas.microsoft.com/office/powerpoint/2010/main" val="3091890911"/>
+      </p:ext>
+    </p:extLst>
+  </p:cSld>
+  <p:clrMapOvr>
+    <a:masterClrMapping/>
+  </p:clrMapOvr>
+  <p:transition spd="slow">
+    <p:cover/>
+  </p:transition>
+</p:sld>
+</file>
+
+<file path=ppt/slides/slide9.xml><?xml version="1.0" encoding="utf-8"?>
+<p:sld xmlns:a="http://schemas.openxmlformats.org/drawingml/2006/main" xmlns:r="http://schemas.openxmlformats.org/officeDocument/2006/relationships" xmlns:p="http://schemas.openxmlformats.org/presentationml/2006/main">
+  <p:cSld>
+    <p:spTree>
+      <p:nvGrpSpPr>
+        <p:cNvPr id="1" name=""/>
+        <p:cNvGrpSpPr/>
+        <p:nvPr/>
+      </p:nvGrpSpPr>
+      <p:grpSpPr>
+        <a:xfrm>
+          <a:off x="0" y="0"/>
+          <a:ext cx="0" cy="0"/>
+          <a:chOff x="0" y="0"/>
+          <a:chExt cx="0" cy="0"/>
+        </a:xfrm>
+      </p:grpSpPr>
+      <p:grpSp>
+        <p:nvGrpSpPr>
+          <p:cNvPr id="4" name="Group 3">
+            <a:extLst>
+              <a:ext uri="{FF2B5EF4-FFF2-40B4-BE49-F238E27FC236}">
+                <a16:creationId xmlns:a16="http://schemas.microsoft.com/office/drawing/2014/main" id="{D789A737-1A21-3788-1E19-523DCD56558F}"/>
+              </a:ext>
+            </a:extLst>
+          </p:cNvPr>
+          <p:cNvGrpSpPr/>
+          <p:nvPr/>
+        </p:nvGrpSpPr>
+        <p:grpSpPr>
+          <a:xfrm>
+            <a:off x="322810" y="274865"/>
+            <a:ext cx="2159132" cy="748394"/>
+            <a:chOff x="800101" y="360135"/>
+            <a:chExt cx="2605834" cy="837293"/>
+          </a:xfrm>
+        </p:grpSpPr>
+        <p:pic>
+          <p:nvPicPr>
+            <p:cNvPr id="5" name="Picture 4" descr="Ý nghĩa logo Đại học Công nghệ Tp.HCM (HUTECH)">
+              <a:extLst>
+                <a:ext uri="{FF2B5EF4-FFF2-40B4-BE49-F238E27FC236}">
+                  <a16:creationId xmlns:a16="http://schemas.microsoft.com/office/drawing/2014/main" id="{BDA38A44-CDA2-E0C3-B059-87CAEC64AF66}"/>
+                </a:ext>
+              </a:extLst>
+            </p:cNvPr>
+            <p:cNvPicPr>
+              <a:picLocks noChangeAspect="1" noChangeArrowheads="1"/>
+            </p:cNvPicPr>
+            <p:nvPr/>
+          </p:nvPicPr>
+          <p:blipFill>
+            <a:blip r:embed="rId2">
+              <a:extLst>
+                <a:ext uri="{28A0092B-C50C-407E-A947-70E740481C1C}">
+                  <a14:useLocalDpi xmlns:a14="http://schemas.microsoft.com/office/drawing/2010/main" val="0"/>
+                </a:ext>
+              </a:extLst>
+            </a:blip>
+            <a:srcRect/>
+            <a:stretch>
+              <a:fillRect/>
+            </a:stretch>
+          </p:blipFill>
+          <p:spPr bwMode="auto">
+            <a:xfrm>
+              <a:off x="1338943" y="360135"/>
+              <a:ext cx="2066992" cy="837293"/>
+            </a:xfrm>
+            <a:prstGeom prst="rect">
+              <a:avLst/>
+            </a:prstGeom>
+            <a:noFill/>
+            <a:extLst>
+              <a:ext uri="{909E8E84-426E-40DD-AFC4-6F175D3DCCD1}">
+                <a14:hiddenFill xmlns:a14="http://schemas.microsoft.com/office/drawing/2010/main">
+                  <a:solidFill>
+                    <a:srgbClr val="FFFFFF"/>
+                  </a:solidFill>
+                </a14:hiddenFill>
+              </a:ext>
+            </a:extLst>
+          </p:spPr>
+        </p:pic>
+        <p:pic>
+          <p:nvPicPr>
+            <p:cNvPr id="6" name="Picture 5">
+              <a:extLst>
+                <a:ext uri="{FF2B5EF4-FFF2-40B4-BE49-F238E27FC236}">
+                  <a16:creationId xmlns:a16="http://schemas.microsoft.com/office/drawing/2014/main" id="{ED6CF147-8C39-E120-8BEF-102B5E50A0F5}"/>
+                </a:ext>
+              </a:extLst>
+            </p:cNvPr>
+            <p:cNvPicPr>
+              <a:picLocks noChangeAspect="1"/>
+            </p:cNvPicPr>
+            <p:nvPr/>
+          </p:nvPicPr>
+          <p:blipFill>
+            <a:blip r:embed="rId3">
+              <a:extLst>
+                <a:ext uri="{28A0092B-C50C-407E-A947-70E740481C1C}">
+                  <a14:useLocalDpi xmlns:a14="http://schemas.microsoft.com/office/drawing/2010/main" val="0"/>
+                </a:ext>
+              </a:extLst>
+            </a:blip>
+            <a:stretch>
+              <a:fillRect/>
+            </a:stretch>
+          </p:blipFill>
+          <p:spPr>
+            <a:xfrm>
+              <a:off x="800101" y="435472"/>
+              <a:ext cx="712416" cy="686618"/>
+            </a:xfrm>
+            <a:prstGeom prst="rect">
+              <a:avLst/>
+            </a:prstGeom>
+          </p:spPr>
+        </p:pic>
+      </p:grpSp>
+      <p:sp>
+        <p:nvSpPr>
+          <p:cNvPr id="7" name="TextBox 6">
+            <a:extLst>
+              <a:ext uri="{FF2B5EF4-FFF2-40B4-BE49-F238E27FC236}">
+                <a16:creationId xmlns:a16="http://schemas.microsoft.com/office/drawing/2014/main" id="{83533D78-90D9-BBD6-E7C8-4323750805B3}"/>
+              </a:ext>
+            </a:extLst>
+          </p:cNvPr>
+          <p:cNvSpPr txBox="1"/>
+          <p:nvPr/>
+        </p:nvSpPr>
+        <p:spPr>
+          <a:xfrm>
+            <a:off x="3823754" y="663532"/>
+            <a:ext cx="4544492" cy="584775"/>
+          </a:xfrm>
+          <a:prstGeom prst="rect">
+            <a:avLst/>
+          </a:prstGeom>
+          <a:noFill/>
+        </p:spPr>
+        <p:txBody>
+          <a:bodyPr wrap="square" rtlCol="0">
+            <a:spAutoFit/>
+          </a:bodyPr>
+          <a:lstStyle/>
+          <a:p>
+            <a:r>
+              <a:rPr lang="vi-VN" sz="3200" b="1" i="1" dirty="0"/>
+              <a:t>Định hướng phát triển</a:t>
+            </a:r>
+            <a:endParaRPr lang="en-US" sz="3200" b="1" i="1" dirty="0"/>
+          </a:p>
+        </p:txBody>
+      </p:sp>
+      <p:sp>
+        <p:nvSpPr>
+          <p:cNvPr id="8" name="TextBox 7">
+            <a:extLst>
+              <a:ext uri="{FF2B5EF4-FFF2-40B4-BE49-F238E27FC236}">
+                <a16:creationId xmlns:a16="http://schemas.microsoft.com/office/drawing/2014/main" id="{3C61610D-82BA-DBBF-5327-1677724DF2DD}"/>
+              </a:ext>
+            </a:extLst>
+          </p:cNvPr>
+          <p:cNvSpPr txBox="1"/>
+          <p:nvPr/>
+        </p:nvSpPr>
+        <p:spPr>
+          <a:xfrm>
+            <a:off x="1625611" y="2174243"/>
+            <a:ext cx="6440702" cy="646331"/>
+          </a:xfrm>
+          <a:prstGeom prst="rect">
+            <a:avLst/>
+          </a:prstGeom>
+          <a:noFill/>
+        </p:spPr>
+        <p:txBody>
+          <a:bodyPr wrap="square" rtlCol="0">
+            <a:spAutoFit/>
+          </a:bodyPr>
+          <a:lstStyle/>
+          <a:p>
+            <a:pPr marL="285750" indent="-285750">
+              <a:buFont typeface="Meiryo UI" panose="020B0400000000000000" pitchFamily="34" charset="-128"/>
+              <a:buChar char="»"/>
+            </a:pPr>
+            <a:r>
+              <a:rPr lang="vi-VN" dirty="0"/>
+              <a:t>Áp dụng googlemap vào hệ thống và xác định với vị trí rõ ràng hơn</a:t>
+            </a:r>
+            <a:endParaRPr lang="en-US" dirty="0"/>
+          </a:p>
+        </p:txBody>
+      </p:sp>
+      <p:sp>
+        <p:nvSpPr>
+          <p:cNvPr id="9" name="TextBox 8">
+            <a:extLst>
+              <a:ext uri="{FF2B5EF4-FFF2-40B4-BE49-F238E27FC236}">
+                <a16:creationId xmlns:a16="http://schemas.microsoft.com/office/drawing/2014/main" id="{76FE77EF-5DE8-3D80-A9DA-949C274F0950}"/>
+              </a:ext>
+            </a:extLst>
+          </p:cNvPr>
+          <p:cNvSpPr txBox="1"/>
+          <p:nvPr/>
+        </p:nvSpPr>
+        <p:spPr>
+          <a:xfrm>
+            <a:off x="1625611" y="3205937"/>
+            <a:ext cx="6742634" cy="369332"/>
+          </a:xfrm>
+          <a:prstGeom prst="rect">
+            <a:avLst/>
+          </a:prstGeom>
+          <a:noFill/>
+        </p:spPr>
+        <p:txBody>
+          <a:bodyPr wrap="square" rtlCol="0">
+            <a:spAutoFit/>
+          </a:bodyPr>
+          <a:lstStyle/>
+          <a:p>
+            <a:pPr marL="285750" indent="-285750">
+              <a:buFont typeface="Meiryo UI" panose="020B0400000000000000" pitchFamily="34" charset="-128"/>
+              <a:buChar char="»"/>
+            </a:pPr>
+            <a:r>
+              <a:rPr lang="vi-VN" dirty="0"/>
+              <a:t>Sử dụng công nghệ AI để gợi ý các bài tuyển dụng phù hợp  </a:t>
+            </a:r>
+            <a:endParaRPr lang="en-US" dirty="0"/>
+          </a:p>
+        </p:txBody>
+      </p:sp>
+      <p:sp>
+        <p:nvSpPr>
+          <p:cNvPr id="10" name="TextBox 9">
+            <a:extLst>
+              <a:ext uri="{FF2B5EF4-FFF2-40B4-BE49-F238E27FC236}">
+                <a16:creationId xmlns:a16="http://schemas.microsoft.com/office/drawing/2014/main" id="{FE744FF0-7D2F-BD99-8B8E-BFC8C3BDB0D3}"/>
+              </a:ext>
+            </a:extLst>
+          </p:cNvPr>
+          <p:cNvSpPr txBox="1"/>
+          <p:nvPr/>
+        </p:nvSpPr>
+        <p:spPr>
+          <a:xfrm>
+            <a:off x="1625611" y="3944601"/>
+            <a:ext cx="3810000" cy="369332"/>
+          </a:xfrm>
+          <a:prstGeom prst="rect">
+            <a:avLst/>
+          </a:prstGeom>
+          <a:noFill/>
+        </p:spPr>
+        <p:txBody>
+          <a:bodyPr wrap="square" rtlCol="0">
+            <a:spAutoFit/>
+          </a:bodyPr>
+          <a:lstStyle/>
+          <a:p>
+            <a:pPr marL="285750" indent="-285750">
+              <a:buFont typeface="Meiryo UI" panose="020B0400000000000000" pitchFamily="34" charset="-128"/>
+              <a:buChar char="»"/>
+            </a:pPr>
+            <a:r>
+              <a:rPr lang="vi-VN" dirty="0"/>
+              <a:t>Cho phép tạo cv trên website</a:t>
+            </a:r>
+            <a:endParaRPr lang="en-US" dirty="0"/>
+          </a:p>
+        </p:txBody>
+      </p:sp>
+      <p:sp>
+        <p:nvSpPr>
+          <p:cNvPr id="11" name="TextBox 10">
+            <a:extLst>
+              <a:ext uri="{FF2B5EF4-FFF2-40B4-BE49-F238E27FC236}">
+                <a16:creationId xmlns:a16="http://schemas.microsoft.com/office/drawing/2014/main" id="{96EC192C-813C-22BD-E862-287D1C767E8B}"/>
+              </a:ext>
+            </a:extLst>
+          </p:cNvPr>
+          <p:cNvSpPr txBox="1"/>
+          <p:nvPr/>
+        </p:nvSpPr>
+        <p:spPr>
+          <a:xfrm>
+            <a:off x="1625611" y="4683265"/>
+            <a:ext cx="8033657" cy="369332"/>
+          </a:xfrm>
+          <a:prstGeom prst="rect">
+            <a:avLst/>
+          </a:prstGeom>
+          <a:noFill/>
+        </p:spPr>
+        <p:txBody>
+          <a:bodyPr wrap="square" rtlCol="0">
+            <a:spAutoFit/>
+          </a:bodyPr>
+          <a:lstStyle/>
+          <a:p>
+            <a:pPr marL="285750" indent="-285750">
+              <a:buFont typeface="Meiryo UI" panose="020B0400000000000000" pitchFamily="34" charset="-128"/>
+              <a:buChar char="»"/>
+            </a:pPr>
+            <a:r>
+              <a:rPr lang="vi-VN" dirty="0"/>
+              <a:t>Cho phép các tài khoản có thể trao đổi trực tiếp với nhau</a:t>
+            </a:r>
+            <a:endParaRPr lang="en-US" dirty="0"/>
+          </a:p>
+        </p:txBody>
+      </p:sp>
+      <p:sp>
+        <p:nvSpPr>
+          <p:cNvPr id="12" name="TextBox 11">
+            <a:extLst>
+              <a:ext uri="{FF2B5EF4-FFF2-40B4-BE49-F238E27FC236}">
+                <a16:creationId xmlns:a16="http://schemas.microsoft.com/office/drawing/2014/main" id="{D018E194-0D90-76A1-89B5-0BEFBEC23EE4}"/>
+              </a:ext>
+            </a:extLst>
+          </p:cNvPr>
+          <p:cNvSpPr txBox="1"/>
+          <p:nvPr/>
+        </p:nvSpPr>
+        <p:spPr>
+          <a:xfrm>
+            <a:off x="1625611" y="1414085"/>
+            <a:ext cx="6324599" cy="369332"/>
+          </a:xfrm>
+          <a:prstGeom prst="rect">
+            <a:avLst/>
+          </a:prstGeom>
+          <a:noFill/>
+        </p:spPr>
+        <p:txBody>
+          <a:bodyPr wrap="square" rtlCol="0">
+            <a:spAutoFit/>
+          </a:bodyPr>
+          <a:lstStyle/>
+          <a:p>
+            <a:pPr marL="285750" indent="-285750">
+              <a:buFont typeface="Meiryo UI" panose="020B0400000000000000" pitchFamily="34" charset="-128"/>
+              <a:buChar char="»"/>
+            </a:pPr>
+            <a:r>
+              <a:rPr lang="vi-VN" dirty="0"/>
+              <a:t>Đăng nhập bằng nhiều cách khác</a:t>
+            </a:r>
+            <a:endParaRPr lang="en-US" dirty="0"/>
+          </a:p>
+        </p:txBody>
+      </p:sp>
+    </p:spTree>
+    <p:extLst>
+      <p:ext uri="{BB962C8B-B14F-4D97-AF65-F5344CB8AC3E}">
+        <p14:creationId xmlns:p14="http://schemas.microsoft.com/office/powerpoint/2010/main" val="2764261583"/>
       </p:ext>
     </p:extLst>
   </p:cSld>
